--- a/Lab/13-File/C-Lab_File.pptx
+++ b/Lab/13-File/C-Lab_File.pptx
@@ -35,15 +35,15 @@
       <p:regular r:id="rId19"/>
     </p:embeddedFont>
     <p:embeddedFont>
-      <p:font typeface="Dana" panose="020B0604020202020204" charset="-78"/>
+      <p:font typeface="Didact Gothic" panose="020B0604020202020204" charset="0"/>
       <p:regular r:id="rId20"/>
-      <p:bold r:id="rId21"/>
-      <p:italic r:id="rId22"/>
-      <p:boldItalic r:id="rId23"/>
     </p:embeddedFont>
     <p:embeddedFont>
-      <p:font typeface="Lalezar" panose="00000500000000000000" pitchFamily="2" charset="-78"/>
-      <p:regular r:id="rId24"/>
+      <p:font typeface="Dana" panose="020B0604020202020204" charset="-78"/>
+      <p:regular r:id="rId21"/>
+      <p:bold r:id="rId22"/>
+      <p:italic r:id="rId23"/>
+      <p:boldItalic r:id="rId24"/>
     </p:embeddedFont>
     <p:embeddedFont>
       <p:font typeface="Roboto Thin" panose="020B0604020202020204" charset="0"/>
@@ -58,18 +58,18 @@
       <p:boldItalic r:id="rId30"/>
     </p:embeddedFont>
     <p:embeddedFont>
-      <p:font typeface="Consolas" panose="020B0609020204030204" pitchFamily="49" charset="0"/>
+      <p:font typeface="Lalezar" panose="00000500000000000000" pitchFamily="2" charset="-78"/>
       <p:regular r:id="rId31"/>
-      <p:bold r:id="rId32"/>
-      <p:italic r:id="rId33"/>
-      <p:boldItalic r:id="rId34"/>
-    </p:embeddedFont>
-    <p:embeddedFont>
-      <p:font typeface="Didact Gothic" panose="020B0604020202020204" charset="0"/>
-      <p:regular r:id="rId35"/>
     </p:embeddedFont>
     <p:embeddedFont>
       <p:font typeface="Roboto Light" panose="020B0604020202020204" charset="0"/>
+      <p:regular r:id="rId32"/>
+      <p:bold r:id="rId33"/>
+      <p:italic r:id="rId34"/>
+      <p:boldItalic r:id="rId35"/>
+    </p:embeddedFont>
+    <p:embeddedFont>
+      <p:font typeface="Consolas" panose="020B0609020204030204" pitchFamily="49" charset="0"/>
       <p:regular r:id="rId36"/>
       <p:bold r:id="rId37"/>
       <p:italic r:id="rId38"/>
@@ -429,7 +429,7 @@
           <a:p>
             <a:fld id="{51C35479-EBFD-40F3-9978-325B11083506}" type="datetimeFigureOut">
               <a:rPr lang="en-US" smtClean="0"/>
-              <a:t>6/5/2021</a:t>
+              <a:t>11/14/2021</a:t>
             </a:fld>
             <a:endParaRPr lang="en-US"/>
           </a:p>
@@ -16180,19 +16180,7 @@
                 <a:cs typeface="Lalezar" panose="00000500000000000000" pitchFamily="2" charset="-78"/>
                 <a:sym typeface="Roboto Black"/>
               </a:rPr>
-              <a:t>سیز</a:t>
-            </a:r>
-            <a:r>
-              <a:rPr lang="fa-IR" sz="2400" dirty="0" smtClean="0">
-                <a:solidFill>
-                  <a:schemeClr val="accent6"/>
-                </a:solidFill>
-                <a:latin typeface="Lalezar" panose="00000500000000000000" pitchFamily="2" charset="-78"/>
-                <a:ea typeface="Roboto Black"/>
-                <a:cs typeface="Lalezar" panose="00000500000000000000" pitchFamily="2" charset="-78"/>
-                <a:sym typeface="Roboto Black"/>
-              </a:rPr>
-              <a:t>دهم</a:t>
+              <a:t>سیزدهم</a:t>
             </a:r>
             <a:endParaRPr lang="en-US" sz="2400" dirty="0">
               <a:solidFill>
@@ -27430,17 +27418,7 @@
                 <a:latin typeface="Dana" panose="00000500000000000000" pitchFamily="2" charset="-78"/>
                 <a:cs typeface="Dana" panose="00000500000000000000" pitchFamily="2" charset="-78"/>
               </a:rPr>
-              <a:t>بدیم</a:t>
-            </a:r>
-            <a:r>
-              <a:rPr lang="fa-IR" sz="1600" dirty="0" smtClean="0">
-                <a:solidFill>
-                  <a:schemeClr val="bg1"/>
-                </a:solidFill>
-                <a:latin typeface="Dana" panose="00000500000000000000" pitchFamily="2" charset="-78"/>
-                <a:cs typeface="Dana" panose="00000500000000000000" pitchFamily="2" charset="-78"/>
-              </a:rPr>
-              <a:t>.</a:t>
+              <a:t>بدیم.</a:t>
             </a:r>
             <a:r>
               <a:rPr lang="en-US" sz="1600" dirty="0" smtClean="0">
@@ -29190,17 +29168,7 @@
                 <a:latin typeface="Dana" panose="00000500000000000000" pitchFamily="2" charset="-78"/>
                 <a:cs typeface="Dana" panose="00000500000000000000" pitchFamily="2" charset="-78"/>
               </a:rPr>
-              <a:t> رو هم در صورت نیاز می‌تونین از منابع اینترنتی یاد بگیرین</a:t>
-            </a:r>
-            <a:r>
-              <a:rPr lang="fa-IR" sz="1600" dirty="0" smtClean="0">
-                <a:solidFill>
-                  <a:schemeClr val="bg1"/>
-                </a:solidFill>
-                <a:latin typeface="Dana" panose="00000500000000000000" pitchFamily="2" charset="-78"/>
-                <a:cs typeface="Dana" panose="00000500000000000000" pitchFamily="2" charset="-78"/>
-              </a:rPr>
-              <a:t>.</a:t>
+              <a:t> رو هم در صورت نیاز می‌تونین از منابع اینترنتی یاد بگیرین.</a:t>
             </a:r>
             <a:r>
               <a:rPr lang="en-US" sz="1600" dirty="0" smtClean="0">
@@ -40242,17 +40210,7 @@
                 <a:latin typeface="Dana" panose="00000500000000000000" pitchFamily="2" charset="-78"/>
                 <a:cs typeface="Dana" panose="00000500000000000000" pitchFamily="2" charset="-78"/>
               </a:rPr>
-              <a:t>اونجا ذخیره کنیم. </a:t>
-            </a:r>
-            <a:r>
-              <a:rPr lang="fa-IR" sz="1600" dirty="0" smtClean="0">
-                <a:solidFill>
-                  <a:schemeClr val="bg1"/>
-                </a:solidFill>
-                <a:latin typeface="Dana" panose="00000500000000000000" pitchFamily="2" charset="-78"/>
-                <a:cs typeface="Dana" panose="00000500000000000000" pitchFamily="2" charset="-78"/>
-              </a:rPr>
-              <a:t>ما می‌خوایم این </a:t>
+              <a:t>اونجا ذخیره کنیم. ما می‌خوایم این </a:t>
             </a:r>
             <a:r>
               <a:rPr lang="fa-IR" sz="1600" dirty="0">
@@ -44901,29 +44859,29 @@
                 <a:latin typeface="Dana" panose="00000500000000000000" pitchFamily="2" charset="-78"/>
                 <a:cs typeface="Dana" panose="00000500000000000000" pitchFamily="2" charset="-78"/>
               </a:rPr>
-              <a:t>هست</a:t>
-            </a:r>
-            <a:r>
-              <a:rPr lang="fa-IR" sz="1600" dirty="0" smtClean="0">
+              <a:t>هست.</a:t>
+            </a:r>
+            <a:r>
+              <a:rPr lang="en-US" sz="1600" dirty="0" smtClean="0">
                 <a:solidFill>
                   <a:schemeClr val="bg1"/>
                 </a:solidFill>
                 <a:latin typeface="Dana" panose="00000500000000000000" pitchFamily="2" charset="-78"/>
                 <a:cs typeface="Dana" panose="00000500000000000000" pitchFamily="2" charset="-78"/>
               </a:rPr>
-              <a:t>.</a:t>
-            </a:r>
-            <a:r>
-              <a:rPr lang="en-US" sz="1600" dirty="0" smtClean="0">
+              <a:t>				     </a:t>
+            </a:r>
+            <a:r>
+              <a:rPr lang="fa-IR" sz="1600" dirty="0" smtClean="0">
                 <a:solidFill>
                   <a:schemeClr val="bg1"/>
                 </a:solidFill>
                 <a:latin typeface="Dana" panose="00000500000000000000" pitchFamily="2" charset="-78"/>
                 <a:cs typeface="Dana" panose="00000500000000000000" pitchFamily="2" charset="-78"/>
               </a:rPr>
-              <a:t>				     </a:t>
-            </a:r>
-            <a:r>
+              <a:t/>
+            </a:r>
+            <a:br>
               <a:rPr lang="fa-IR" sz="1600" dirty="0" smtClean="0">
                 <a:solidFill>
                   <a:schemeClr val="bg1"/>
@@ -44931,18 +44889,18 @@
                 <a:latin typeface="Dana" panose="00000500000000000000" pitchFamily="2" charset="-78"/>
                 <a:cs typeface="Dana" panose="00000500000000000000" pitchFamily="2" charset="-78"/>
               </a:rPr>
-              <a:t/>
-            </a:r>
-            <a:br>
-              <a:rPr lang="fa-IR" sz="1600" dirty="0" smtClean="0">
+            </a:br>
+            <a:r>
+              <a:rPr lang="fa-IR" sz="1600" dirty="0">
                 <a:solidFill>
                   <a:schemeClr val="bg1"/>
                 </a:solidFill>
                 <a:latin typeface="Dana" panose="00000500000000000000" pitchFamily="2" charset="-78"/>
                 <a:cs typeface="Dana" panose="00000500000000000000" pitchFamily="2" charset="-78"/>
               </a:rPr>
-            </a:br>
-            <a:r>
+              <a:t/>
+            </a:r>
+            <a:br>
               <a:rPr lang="fa-IR" sz="1600" dirty="0">
                 <a:solidFill>
                   <a:schemeClr val="bg1"/>
@@ -44950,6 +44908,225 @@
                 <a:latin typeface="Dana" panose="00000500000000000000" pitchFamily="2" charset="-78"/>
                 <a:cs typeface="Dana" panose="00000500000000000000" pitchFamily="2" charset="-78"/>
               </a:rPr>
+            </a:br>
+            <a:r>
+              <a:rPr lang="fa-IR" sz="1600" dirty="0">
+                <a:solidFill>
+                  <a:schemeClr val="bg1"/>
+                </a:solidFill>
+                <a:latin typeface="Dana" panose="00000500000000000000" pitchFamily="2" charset="-78"/>
+                <a:cs typeface="Dana" panose="00000500000000000000" pitchFamily="2" charset="-78"/>
+              </a:rPr>
+              <a:t>اما </a:t>
+            </a:r>
+            <a:r>
+              <a:rPr lang="fa-IR" sz="1600" dirty="0" smtClean="0">
+                <a:solidFill>
+                  <a:schemeClr val="bg1"/>
+                </a:solidFill>
+                <a:latin typeface="Dana" panose="00000500000000000000" pitchFamily="2" charset="-78"/>
+                <a:cs typeface="Dana" panose="00000500000000000000" pitchFamily="2" charset="-78"/>
+              </a:rPr>
+              <a:t>تابع‌های </a:t>
+            </a:r>
+            <a:r>
+              <a:rPr lang="en-US" sz="1600" dirty="0" err="1" smtClean="0">
+                <a:solidFill>
+                  <a:schemeClr val="accent6"/>
+                </a:solidFill>
+                <a:latin typeface="Dana" panose="00000500000000000000" pitchFamily="2" charset="-78"/>
+                <a:cs typeface="Dana" panose="00000500000000000000" pitchFamily="2" charset="-78"/>
+              </a:rPr>
+              <a:t>fread</a:t>
+            </a:r>
+            <a:r>
+              <a:rPr lang="fa-IR" sz="1600" dirty="0" smtClean="0">
+                <a:solidFill>
+                  <a:schemeClr val="bg1"/>
+                </a:solidFill>
+                <a:latin typeface="Dana" panose="00000500000000000000" pitchFamily="2" charset="-78"/>
+                <a:cs typeface="Dana" panose="00000500000000000000" pitchFamily="2" charset="-78"/>
+              </a:rPr>
+              <a:t> و</a:t>
+            </a:r>
+            <a:r>
+              <a:rPr lang="en-US" sz="1600" dirty="0" err="1" smtClean="0">
+                <a:solidFill>
+                  <a:schemeClr val="accent6"/>
+                </a:solidFill>
+                <a:latin typeface="Dana" panose="00000500000000000000" pitchFamily="2" charset="-78"/>
+                <a:cs typeface="Dana" panose="00000500000000000000" pitchFamily="2" charset="-78"/>
+              </a:rPr>
+              <a:t>fwrite</a:t>
+            </a:r>
+            <a:r>
+              <a:rPr lang="en-US" sz="1600" dirty="0" smtClean="0">
+                <a:solidFill>
+                  <a:schemeClr val="bg1"/>
+                </a:solidFill>
+                <a:latin typeface="Dana" panose="00000500000000000000" pitchFamily="2" charset="-78"/>
+                <a:cs typeface="Dana" panose="00000500000000000000" pitchFamily="2" charset="-78"/>
+              </a:rPr>
+              <a:t> </a:t>
+            </a:r>
+            <a:r>
+              <a:rPr lang="fa-IR" sz="1600" dirty="0" smtClean="0">
+                <a:solidFill>
+                  <a:schemeClr val="bg1"/>
+                </a:solidFill>
+                <a:latin typeface="Dana" panose="00000500000000000000" pitchFamily="2" charset="-78"/>
+                <a:cs typeface="Dana" panose="00000500000000000000" pitchFamily="2" charset="-78"/>
+              </a:rPr>
+              <a:t> رو </a:t>
+            </a:r>
+            <a:r>
+              <a:rPr lang="fa-IR" sz="1600" dirty="0">
+                <a:solidFill>
+                  <a:schemeClr val="bg1"/>
+                </a:solidFill>
+                <a:latin typeface="Dana" panose="00000500000000000000" pitchFamily="2" charset="-78"/>
+                <a:cs typeface="Dana" panose="00000500000000000000" pitchFamily="2" charset="-78"/>
+              </a:rPr>
+              <a:t>باید </a:t>
+            </a:r>
+            <a:r>
+              <a:rPr lang="fa-IR" sz="1600" dirty="0" smtClean="0">
+                <a:solidFill>
+                  <a:schemeClr val="bg1"/>
+                </a:solidFill>
+                <a:latin typeface="Dana" panose="00000500000000000000" pitchFamily="2" charset="-78"/>
+                <a:cs typeface="Dana" panose="00000500000000000000" pitchFamily="2" charset="-78"/>
+              </a:rPr>
+              <a:t>دقیق‌تر </a:t>
+            </a:r>
+            <a:r>
+              <a:rPr lang="fa-IR" sz="1600" dirty="0">
+                <a:solidFill>
+                  <a:schemeClr val="bg1"/>
+                </a:solidFill>
+                <a:latin typeface="Dana" panose="00000500000000000000" pitchFamily="2" charset="-78"/>
+                <a:cs typeface="Dana" panose="00000500000000000000" pitchFamily="2" charset="-78"/>
+              </a:rPr>
+              <a:t>بررسی </a:t>
+            </a:r>
+            <a:r>
+              <a:rPr lang="fa-IR" sz="1600" dirty="0" smtClean="0">
+                <a:solidFill>
+                  <a:schemeClr val="bg1"/>
+                </a:solidFill>
+                <a:latin typeface="Dana" panose="00000500000000000000" pitchFamily="2" charset="-78"/>
+                <a:cs typeface="Dana" panose="00000500000000000000" pitchFamily="2" charset="-78"/>
+              </a:rPr>
+              <a:t>کنیم. این نکته رو یامون باشه که این </a:t>
+            </a:r>
+            <a:r>
+              <a:rPr lang="fa-IR" sz="1600" dirty="0">
+                <a:solidFill>
+                  <a:schemeClr val="bg1"/>
+                </a:solidFill>
+                <a:latin typeface="Dana" panose="00000500000000000000" pitchFamily="2" charset="-78"/>
+                <a:cs typeface="Dana" panose="00000500000000000000" pitchFamily="2" charset="-78"/>
+              </a:rPr>
+              <a:t>توابع </a:t>
+            </a:r>
+            <a:r>
+              <a:rPr lang="fa-IR" sz="1600" dirty="0" smtClean="0">
+                <a:solidFill>
+                  <a:schemeClr val="bg1"/>
+                </a:solidFill>
+                <a:latin typeface="Dana" panose="00000500000000000000" pitchFamily="2" charset="-78"/>
+                <a:cs typeface="Dana" panose="00000500000000000000" pitchFamily="2" charset="-78"/>
+              </a:rPr>
+              <a:t>یک قطعه یا</a:t>
+            </a:r>
+            <a:r>
+              <a:rPr lang="en-US" sz="1600" dirty="0" smtClean="0">
+                <a:solidFill>
+                  <a:schemeClr val="bg1"/>
+                </a:solidFill>
+                <a:latin typeface="Dana" panose="00000500000000000000" pitchFamily="2" charset="-78"/>
+                <a:cs typeface="Dana" panose="00000500000000000000" pitchFamily="2" charset="-78"/>
+              </a:rPr>
+              <a:t>block </a:t>
+            </a:r>
+            <a:r>
+              <a:rPr lang="fa-IR" sz="1600" dirty="0" smtClean="0">
+                <a:solidFill>
+                  <a:schemeClr val="bg1"/>
+                </a:solidFill>
+                <a:latin typeface="Dana" panose="00000500000000000000" pitchFamily="2" charset="-78"/>
+                <a:cs typeface="Dana" panose="00000500000000000000" pitchFamily="2" charset="-78"/>
+              </a:rPr>
+              <a:t> از </a:t>
+            </a:r>
+            <a:r>
+              <a:rPr lang="fa-IR" sz="1600" dirty="0">
+                <a:solidFill>
+                  <a:schemeClr val="bg1"/>
+                </a:solidFill>
+                <a:latin typeface="Dana" panose="00000500000000000000" pitchFamily="2" charset="-78"/>
+                <a:cs typeface="Dana" panose="00000500000000000000" pitchFamily="2" charset="-78"/>
+              </a:rPr>
+              <a:t>اطلاعات </a:t>
+            </a:r>
+            <a:r>
+              <a:rPr lang="fa-IR" sz="1600" dirty="0" smtClean="0">
+                <a:solidFill>
+                  <a:schemeClr val="bg1"/>
+                </a:solidFill>
+                <a:latin typeface="Dana" panose="00000500000000000000" pitchFamily="2" charset="-78"/>
+                <a:cs typeface="Dana" panose="00000500000000000000" pitchFamily="2" charset="-78"/>
+              </a:rPr>
+              <a:t>رو </a:t>
+            </a:r>
+            <a:r>
+              <a:rPr lang="fa-IR" sz="1600" dirty="0">
+                <a:solidFill>
+                  <a:schemeClr val="bg1"/>
+                </a:solidFill>
+                <a:latin typeface="Dana" panose="00000500000000000000" pitchFamily="2" charset="-78"/>
+                <a:cs typeface="Dana" panose="00000500000000000000" pitchFamily="2" charset="-78"/>
+              </a:rPr>
+              <a:t>از یک فایل </a:t>
+            </a:r>
+            <a:r>
+              <a:rPr lang="fa-IR" sz="1600" dirty="0" smtClean="0">
+                <a:solidFill>
+                  <a:schemeClr val="bg1"/>
+                </a:solidFill>
+                <a:latin typeface="Dana" panose="00000500000000000000" pitchFamily="2" charset="-78"/>
+                <a:cs typeface="Dana" panose="00000500000000000000" pitchFamily="2" charset="-78"/>
+              </a:rPr>
+              <a:t>می‌خونن </a:t>
+            </a:r>
+            <a:r>
+              <a:rPr lang="fa-IR" sz="1600" dirty="0">
+                <a:solidFill>
+                  <a:schemeClr val="bg1"/>
+                </a:solidFill>
+                <a:latin typeface="Dana" panose="00000500000000000000" pitchFamily="2" charset="-78"/>
+                <a:cs typeface="Dana" panose="00000500000000000000" pitchFamily="2" charset="-78"/>
+              </a:rPr>
+              <a:t>یا </a:t>
+            </a:r>
+            <a:r>
+              <a:rPr lang="fa-IR" sz="1600" dirty="0" smtClean="0">
+                <a:solidFill>
+                  <a:schemeClr val="bg1"/>
+                </a:solidFill>
+                <a:latin typeface="Dana" panose="00000500000000000000" pitchFamily="2" charset="-78"/>
+                <a:cs typeface="Dana" panose="00000500000000000000" pitchFamily="2" charset="-78"/>
+              </a:rPr>
+              <a:t>توی فایل می‌نویسن.</a:t>
+            </a:r>
+            <a:r>
+              <a:rPr lang="fa-IR" sz="1600" dirty="0">
+                <a:solidFill>
+                  <a:schemeClr val="bg1"/>
+                </a:solidFill>
+                <a:latin typeface="Dana" panose="00000500000000000000" pitchFamily="2" charset="-78"/>
+                <a:cs typeface="Dana" panose="00000500000000000000" pitchFamily="2" charset="-78"/>
+              </a:rPr>
               <a:t/>
             </a:r>
             <a:br>
@@ -44962,54 +45139,54 @@
               </a:rPr>
             </a:br>
             <a:r>
-              <a:rPr lang="fa-IR" sz="1600" dirty="0">
+              <a:rPr lang="fa-IR" sz="1600" dirty="0" smtClean="0">
                 <a:solidFill>
                   <a:schemeClr val="bg1"/>
                 </a:solidFill>
                 <a:latin typeface="Dana" panose="00000500000000000000" pitchFamily="2" charset="-78"/>
                 <a:cs typeface="Dana" panose="00000500000000000000" pitchFamily="2" charset="-78"/>
               </a:rPr>
-              <a:t>اما </a:t>
-            </a:r>
-            <a:r>
-              <a:rPr lang="fa-IR" sz="1600" dirty="0" smtClean="0">
+              <a:t>ورودی </a:t>
+            </a:r>
+            <a:r>
+              <a:rPr lang="fa-IR" sz="1600" dirty="0">
                 <a:solidFill>
                   <a:schemeClr val="bg1"/>
                 </a:solidFill>
                 <a:latin typeface="Dana" panose="00000500000000000000" pitchFamily="2" charset="-78"/>
                 <a:cs typeface="Dana" panose="00000500000000000000" pitchFamily="2" charset="-78"/>
               </a:rPr>
-              <a:t>تابع‌های </a:t>
-            </a:r>
-            <a:r>
-              <a:rPr lang="en-US" sz="1600" dirty="0" err="1" smtClean="0">
-                <a:solidFill>
-                  <a:schemeClr val="accent6"/>
+              <a:t>اول این توابع اشاره‌گر به ابتدای یک آرایه، ورودی دوم اندازه هر قسمت </a:t>
+            </a:r>
+            <a:r>
+              <a:rPr lang="fa-IR" sz="1600" dirty="0" smtClean="0">
+                <a:solidFill>
+                  <a:schemeClr val="bg1"/>
                 </a:solidFill>
                 <a:latin typeface="Dana" panose="00000500000000000000" pitchFamily="2" charset="-78"/>
                 <a:cs typeface="Dana" panose="00000500000000000000" pitchFamily="2" charset="-78"/>
               </a:rPr>
-              <a:t>fread</a:t>
-            </a:r>
-            <a:r>
-              <a:rPr lang="fa-IR" sz="1600" dirty="0" smtClean="0">
+              <a:t>از </a:t>
+            </a:r>
+            <a:r>
+              <a:rPr lang="en-US" sz="1600" dirty="0">
                 <a:solidFill>
                   <a:schemeClr val="bg1"/>
                 </a:solidFill>
                 <a:latin typeface="Dana" panose="00000500000000000000" pitchFamily="2" charset="-78"/>
                 <a:cs typeface="Dana" panose="00000500000000000000" pitchFamily="2" charset="-78"/>
               </a:rPr>
-              <a:t> و</a:t>
-            </a:r>
-            <a:r>
-              <a:rPr lang="en-US" sz="1600" dirty="0" err="1" smtClean="0">
-                <a:solidFill>
-                  <a:schemeClr val="accent6"/>
+              <a:t>block، </a:t>
+            </a:r>
+            <a:r>
+              <a:rPr lang="fa-IR" sz="1600" dirty="0">
+                <a:solidFill>
+                  <a:schemeClr val="bg1"/>
                 </a:solidFill>
                 <a:latin typeface="Dana" panose="00000500000000000000" pitchFamily="2" charset="-78"/>
                 <a:cs typeface="Dana" panose="00000500000000000000" pitchFamily="2" charset="-78"/>
               </a:rPr>
-              <a:t>fwrite</a:t>
+              <a:t>ورودی سوم طول </a:t>
             </a:r>
             <a:r>
               <a:rPr lang="en-US" sz="1600" dirty="0" smtClean="0">
@@ -45019,7 +45196,7 @@
                 <a:latin typeface="Dana" panose="00000500000000000000" pitchFamily="2" charset="-78"/>
                 <a:cs typeface="Dana" panose="00000500000000000000" pitchFamily="2" charset="-78"/>
               </a:rPr>
-              <a:t> </a:t>
+              <a:t>block</a:t>
             </a:r>
             <a:r>
               <a:rPr lang="fa-IR" sz="1600" dirty="0" smtClean="0">
@@ -45029,7 +45206,7 @@
                 <a:latin typeface="Dana" panose="00000500000000000000" pitchFamily="2" charset="-78"/>
                 <a:cs typeface="Dana" panose="00000500000000000000" pitchFamily="2" charset="-78"/>
               </a:rPr>
-              <a:t> رو </a:t>
+              <a:t> </a:t>
             </a:r>
             <a:r>
               <a:rPr lang="fa-IR" sz="1600" dirty="0">
@@ -45039,7 +45216,7 @@
                 <a:latin typeface="Dana" panose="00000500000000000000" pitchFamily="2" charset="-78"/>
                 <a:cs typeface="Dana" panose="00000500000000000000" pitchFamily="2" charset="-78"/>
               </a:rPr>
-              <a:t>باید </a:t>
+              <a:t>و ورودی چهارم اشاره‌گری از </a:t>
             </a:r>
             <a:r>
               <a:rPr lang="fa-IR" sz="1600" dirty="0" smtClean="0">
@@ -45049,17 +45226,17 @@
                 <a:latin typeface="Dana" panose="00000500000000000000" pitchFamily="2" charset="-78"/>
                 <a:cs typeface="Dana" panose="00000500000000000000" pitchFamily="2" charset="-78"/>
               </a:rPr>
-              <a:t>دقیق‌تر </a:t>
-            </a:r>
-            <a:r>
-              <a:rPr lang="fa-IR" sz="1600" dirty="0">
+              <a:t>نوع</a:t>
+            </a:r>
+            <a:r>
+              <a:rPr lang="en-US" sz="1600" dirty="0" smtClean="0">
                 <a:solidFill>
                   <a:schemeClr val="bg1"/>
                 </a:solidFill>
                 <a:latin typeface="Dana" panose="00000500000000000000" pitchFamily="2" charset="-78"/>
                 <a:cs typeface="Dana" panose="00000500000000000000" pitchFamily="2" charset="-78"/>
               </a:rPr>
-              <a:t>بررسی </a:t>
+              <a:t>File </a:t>
             </a:r>
             <a:r>
               <a:rPr lang="fa-IR" sz="1600" dirty="0" smtClean="0">
@@ -45069,246 +45246,7 @@
                 <a:latin typeface="Dana" panose="00000500000000000000" pitchFamily="2" charset="-78"/>
                 <a:cs typeface="Dana" panose="00000500000000000000" pitchFamily="2" charset="-78"/>
               </a:rPr>
-              <a:t>کنیم. این نکته رو یامون باشه که این </a:t>
-            </a:r>
-            <a:r>
-              <a:rPr lang="fa-IR" sz="1600" dirty="0">
-                <a:solidFill>
-                  <a:schemeClr val="bg1"/>
-                </a:solidFill>
-                <a:latin typeface="Dana" panose="00000500000000000000" pitchFamily="2" charset="-78"/>
-                <a:cs typeface="Dana" panose="00000500000000000000" pitchFamily="2" charset="-78"/>
-              </a:rPr>
-              <a:t>توابع </a:t>
-            </a:r>
-            <a:r>
-              <a:rPr lang="fa-IR" sz="1600" dirty="0" smtClean="0">
-                <a:solidFill>
-                  <a:schemeClr val="bg1"/>
-                </a:solidFill>
-                <a:latin typeface="Dana" panose="00000500000000000000" pitchFamily="2" charset="-78"/>
-                <a:cs typeface="Dana" panose="00000500000000000000" pitchFamily="2" charset="-78"/>
-              </a:rPr>
-              <a:t>یک قطعه یا</a:t>
-            </a:r>
-            <a:r>
-              <a:rPr lang="en-US" sz="1600" dirty="0" smtClean="0">
-                <a:solidFill>
-                  <a:schemeClr val="bg1"/>
-                </a:solidFill>
-                <a:latin typeface="Dana" panose="00000500000000000000" pitchFamily="2" charset="-78"/>
-                <a:cs typeface="Dana" panose="00000500000000000000" pitchFamily="2" charset="-78"/>
-              </a:rPr>
-              <a:t>block </a:t>
-            </a:r>
-            <a:r>
-              <a:rPr lang="fa-IR" sz="1600" dirty="0" smtClean="0">
-                <a:solidFill>
-                  <a:schemeClr val="bg1"/>
-                </a:solidFill>
-                <a:latin typeface="Dana" panose="00000500000000000000" pitchFamily="2" charset="-78"/>
-                <a:cs typeface="Dana" panose="00000500000000000000" pitchFamily="2" charset="-78"/>
-              </a:rPr>
-              <a:t> از </a:t>
-            </a:r>
-            <a:r>
-              <a:rPr lang="fa-IR" sz="1600" dirty="0">
-                <a:solidFill>
-                  <a:schemeClr val="bg1"/>
-                </a:solidFill>
-                <a:latin typeface="Dana" panose="00000500000000000000" pitchFamily="2" charset="-78"/>
-                <a:cs typeface="Dana" panose="00000500000000000000" pitchFamily="2" charset="-78"/>
-              </a:rPr>
-              <a:t>اطلاعات </a:t>
-            </a:r>
-            <a:r>
-              <a:rPr lang="fa-IR" sz="1600" dirty="0" smtClean="0">
-                <a:solidFill>
-                  <a:schemeClr val="bg1"/>
-                </a:solidFill>
-                <a:latin typeface="Dana" panose="00000500000000000000" pitchFamily="2" charset="-78"/>
-                <a:cs typeface="Dana" panose="00000500000000000000" pitchFamily="2" charset="-78"/>
-              </a:rPr>
-              <a:t>رو </a:t>
-            </a:r>
-            <a:r>
-              <a:rPr lang="fa-IR" sz="1600" dirty="0">
-                <a:solidFill>
-                  <a:schemeClr val="bg1"/>
-                </a:solidFill>
-                <a:latin typeface="Dana" panose="00000500000000000000" pitchFamily="2" charset="-78"/>
-                <a:cs typeface="Dana" panose="00000500000000000000" pitchFamily="2" charset="-78"/>
-              </a:rPr>
-              <a:t>از یک فایل </a:t>
-            </a:r>
-            <a:r>
-              <a:rPr lang="fa-IR" sz="1600" dirty="0" smtClean="0">
-                <a:solidFill>
-                  <a:schemeClr val="bg1"/>
-                </a:solidFill>
-                <a:latin typeface="Dana" panose="00000500000000000000" pitchFamily="2" charset="-78"/>
-                <a:cs typeface="Dana" panose="00000500000000000000" pitchFamily="2" charset="-78"/>
-              </a:rPr>
-              <a:t>می‌خونن </a:t>
-            </a:r>
-            <a:r>
-              <a:rPr lang="fa-IR" sz="1600" dirty="0">
-                <a:solidFill>
-                  <a:schemeClr val="bg1"/>
-                </a:solidFill>
-                <a:latin typeface="Dana" panose="00000500000000000000" pitchFamily="2" charset="-78"/>
-                <a:cs typeface="Dana" panose="00000500000000000000" pitchFamily="2" charset="-78"/>
-              </a:rPr>
-              <a:t>یا </a:t>
-            </a:r>
-            <a:r>
-              <a:rPr lang="fa-IR" sz="1600" dirty="0" smtClean="0">
-                <a:solidFill>
-                  <a:schemeClr val="bg1"/>
-                </a:solidFill>
-                <a:latin typeface="Dana" panose="00000500000000000000" pitchFamily="2" charset="-78"/>
-                <a:cs typeface="Dana" panose="00000500000000000000" pitchFamily="2" charset="-78"/>
-              </a:rPr>
-              <a:t>توی فایل می‌نویسن.</a:t>
-            </a:r>
-            <a:r>
-              <a:rPr lang="fa-IR" sz="1600" dirty="0">
-                <a:solidFill>
-                  <a:schemeClr val="bg1"/>
-                </a:solidFill>
-                <a:latin typeface="Dana" panose="00000500000000000000" pitchFamily="2" charset="-78"/>
-                <a:cs typeface="Dana" panose="00000500000000000000" pitchFamily="2" charset="-78"/>
-              </a:rPr>
-              <a:t/>
-            </a:r>
-            <a:br>
-              <a:rPr lang="fa-IR" sz="1600" dirty="0">
-                <a:solidFill>
-                  <a:schemeClr val="bg1"/>
-                </a:solidFill>
-                <a:latin typeface="Dana" panose="00000500000000000000" pitchFamily="2" charset="-78"/>
-                <a:cs typeface="Dana" panose="00000500000000000000" pitchFamily="2" charset="-78"/>
-              </a:rPr>
-            </a:br>
-            <a:r>
-              <a:rPr lang="fa-IR" sz="1600" dirty="0" smtClean="0">
-                <a:solidFill>
-                  <a:schemeClr val="bg1"/>
-                </a:solidFill>
-                <a:latin typeface="Dana" panose="00000500000000000000" pitchFamily="2" charset="-78"/>
-                <a:cs typeface="Dana" panose="00000500000000000000" pitchFamily="2" charset="-78"/>
-              </a:rPr>
-              <a:t>ورودی </a:t>
-            </a:r>
-            <a:r>
-              <a:rPr lang="fa-IR" sz="1600" dirty="0">
-                <a:solidFill>
-                  <a:schemeClr val="bg1"/>
-                </a:solidFill>
-                <a:latin typeface="Dana" panose="00000500000000000000" pitchFamily="2" charset="-78"/>
-                <a:cs typeface="Dana" panose="00000500000000000000" pitchFamily="2" charset="-78"/>
-              </a:rPr>
-              <a:t>اول این توابع اشاره‌گر به ابتدای یک آرایه، ورودی دوم اندازه هر قسمت </a:t>
-            </a:r>
-            <a:r>
-              <a:rPr lang="fa-IR" sz="1600" dirty="0" smtClean="0">
-                <a:solidFill>
-                  <a:schemeClr val="bg1"/>
-                </a:solidFill>
-                <a:latin typeface="Dana" panose="00000500000000000000" pitchFamily="2" charset="-78"/>
-                <a:cs typeface="Dana" panose="00000500000000000000" pitchFamily="2" charset="-78"/>
-              </a:rPr>
-              <a:t>از </a:t>
-            </a:r>
-            <a:r>
-              <a:rPr lang="en-US" sz="1600" dirty="0">
-                <a:solidFill>
-                  <a:schemeClr val="bg1"/>
-                </a:solidFill>
-                <a:latin typeface="Dana" panose="00000500000000000000" pitchFamily="2" charset="-78"/>
-                <a:cs typeface="Dana" panose="00000500000000000000" pitchFamily="2" charset="-78"/>
-              </a:rPr>
-              <a:t>block، </a:t>
-            </a:r>
-            <a:r>
-              <a:rPr lang="fa-IR" sz="1600" dirty="0">
-                <a:solidFill>
-                  <a:schemeClr val="bg1"/>
-                </a:solidFill>
-                <a:latin typeface="Dana" panose="00000500000000000000" pitchFamily="2" charset="-78"/>
-                <a:cs typeface="Dana" panose="00000500000000000000" pitchFamily="2" charset="-78"/>
-              </a:rPr>
-              <a:t>ورودی سوم طول </a:t>
-            </a:r>
-            <a:r>
-              <a:rPr lang="en-US" sz="1600" dirty="0" smtClean="0">
-                <a:solidFill>
-                  <a:schemeClr val="bg1"/>
-                </a:solidFill>
-                <a:latin typeface="Dana" panose="00000500000000000000" pitchFamily="2" charset="-78"/>
-                <a:cs typeface="Dana" panose="00000500000000000000" pitchFamily="2" charset="-78"/>
-              </a:rPr>
-              <a:t>block</a:t>
-            </a:r>
-            <a:r>
-              <a:rPr lang="fa-IR" sz="1600" dirty="0" smtClean="0">
-                <a:solidFill>
-                  <a:schemeClr val="bg1"/>
-                </a:solidFill>
-                <a:latin typeface="Dana" panose="00000500000000000000" pitchFamily="2" charset="-78"/>
-                <a:cs typeface="Dana" panose="00000500000000000000" pitchFamily="2" charset="-78"/>
-              </a:rPr>
-              <a:t> </a:t>
-            </a:r>
-            <a:r>
-              <a:rPr lang="fa-IR" sz="1600" dirty="0">
-                <a:solidFill>
-                  <a:schemeClr val="bg1"/>
-                </a:solidFill>
-                <a:latin typeface="Dana" panose="00000500000000000000" pitchFamily="2" charset="-78"/>
-                <a:cs typeface="Dana" panose="00000500000000000000" pitchFamily="2" charset="-78"/>
-              </a:rPr>
-              <a:t>و ورودی چهارم اشاره‌گری از </a:t>
-            </a:r>
-            <a:r>
-              <a:rPr lang="fa-IR" sz="1600" dirty="0" smtClean="0">
-                <a:solidFill>
-                  <a:schemeClr val="bg1"/>
-                </a:solidFill>
-                <a:latin typeface="Dana" panose="00000500000000000000" pitchFamily="2" charset="-78"/>
-                <a:cs typeface="Dana" panose="00000500000000000000" pitchFamily="2" charset="-78"/>
-              </a:rPr>
-              <a:t>نوع</a:t>
-            </a:r>
-            <a:r>
-              <a:rPr lang="en-US" sz="1600" dirty="0" smtClean="0">
-                <a:solidFill>
-                  <a:schemeClr val="bg1"/>
-                </a:solidFill>
-                <a:latin typeface="Dana" panose="00000500000000000000" pitchFamily="2" charset="-78"/>
-                <a:cs typeface="Dana" panose="00000500000000000000" pitchFamily="2" charset="-78"/>
-              </a:rPr>
-              <a:t>File </a:t>
-            </a:r>
-            <a:r>
-              <a:rPr lang="fa-IR" sz="1600" dirty="0" smtClean="0">
-                <a:solidFill>
-                  <a:schemeClr val="bg1"/>
-                </a:solidFill>
-                <a:latin typeface="Dana" panose="00000500000000000000" pitchFamily="2" charset="-78"/>
-                <a:cs typeface="Dana" panose="00000500000000000000" pitchFamily="2" charset="-78"/>
-              </a:rPr>
-              <a:t> هست</a:t>
-            </a:r>
-            <a:r>
-              <a:rPr lang="fa-IR" sz="1600" dirty="0" smtClean="0">
-                <a:solidFill>
-                  <a:schemeClr val="bg1"/>
-                </a:solidFill>
-                <a:latin typeface="Dana" panose="00000500000000000000" pitchFamily="2" charset="-78"/>
-                <a:cs typeface="Dana" panose="00000500000000000000" pitchFamily="2" charset="-78"/>
-              </a:rPr>
-              <a:t>.</a:t>
+              <a:t> هست.</a:t>
             </a:r>
             <a:r>
               <a:rPr lang="en-US" sz="1600" dirty="0" smtClean="0">
@@ -47194,29 +47132,29 @@
                 <a:latin typeface="Dana" panose="00000500000000000000" pitchFamily="2" charset="-78"/>
                 <a:cs typeface="Dana" panose="00000500000000000000" pitchFamily="2" charset="-78"/>
               </a:rPr>
-              <a:t>باشین که جلوتر رعایتش کنین</a:t>
-            </a:r>
-            <a:r>
-              <a:rPr lang="fa-IR" sz="1600" dirty="0" smtClean="0">
+              <a:t>باشین که جلوتر رعایتش کنین.</a:t>
+            </a:r>
+            <a:r>
+              <a:rPr lang="en-US" sz="1600" dirty="0" smtClean="0">
                 <a:solidFill>
                   <a:schemeClr val="bg1"/>
                 </a:solidFill>
                 <a:latin typeface="Dana" panose="00000500000000000000" pitchFamily="2" charset="-78"/>
                 <a:cs typeface="Dana" panose="00000500000000000000" pitchFamily="2" charset="-78"/>
               </a:rPr>
-              <a:t>.</a:t>
-            </a:r>
-            <a:r>
-              <a:rPr lang="en-US" sz="1600" dirty="0" smtClean="0">
+              <a:t>						     </a:t>
+            </a:r>
+            <a:r>
+              <a:rPr lang="fa-IR" sz="1600" dirty="0">
                 <a:solidFill>
                   <a:schemeClr val="bg1"/>
                 </a:solidFill>
                 <a:latin typeface="Dana" panose="00000500000000000000" pitchFamily="2" charset="-78"/>
                 <a:cs typeface="Dana" panose="00000500000000000000" pitchFamily="2" charset="-78"/>
               </a:rPr>
-              <a:t>						     </a:t>
-            </a:r>
-            <a:r>
+              <a:t/>
+            </a:r>
+            <a:br>
               <a:rPr lang="fa-IR" sz="1600" dirty="0">
                 <a:solidFill>
                   <a:schemeClr val="bg1"/>
@@ -47224,6 +47162,84 @@
                 <a:latin typeface="Dana" panose="00000500000000000000" pitchFamily="2" charset="-78"/>
                 <a:cs typeface="Dana" panose="00000500000000000000" pitchFamily="2" charset="-78"/>
               </a:rPr>
+            </a:br>
+            <a:r>
+              <a:rPr lang="fa-IR" sz="1600" dirty="0" smtClean="0">
+                <a:solidFill>
+                  <a:schemeClr val="bg1"/>
+                </a:solidFill>
+                <a:latin typeface="Dana" panose="00000500000000000000" pitchFamily="2" charset="-78"/>
+                <a:cs typeface="Dana" panose="00000500000000000000" pitchFamily="2" charset="-78"/>
+              </a:rPr>
+              <a:t>دوباره توجه توجه! </a:t>
+            </a:r>
+            <a:r>
+              <a:rPr lang="fa-IR" sz="1600" dirty="0">
+                <a:solidFill>
+                  <a:schemeClr val="bg1"/>
+                </a:solidFill>
+                <a:latin typeface="Dana" panose="00000500000000000000" pitchFamily="2" charset="-78"/>
+                <a:cs typeface="Dana" panose="00000500000000000000" pitchFamily="2" charset="-78"/>
+              </a:rPr>
+              <a:t>برای ورودی اول </a:t>
+            </a:r>
+            <a:r>
+              <a:rPr lang="en-US" sz="1600" dirty="0" err="1" smtClean="0">
+                <a:solidFill>
+                  <a:schemeClr val="accent6"/>
+                </a:solidFill>
+                <a:latin typeface="Dana" panose="00000500000000000000" pitchFamily="2" charset="-78"/>
+                <a:cs typeface="Dana" panose="00000500000000000000" pitchFamily="2" charset="-78"/>
+              </a:rPr>
+              <a:t>fopen</a:t>
+            </a:r>
+            <a:r>
+              <a:rPr lang="fa-IR" sz="1600" dirty="0">
+                <a:solidFill>
+                  <a:schemeClr val="bg1"/>
+                </a:solidFill>
+                <a:latin typeface="Dana" panose="00000500000000000000" pitchFamily="2" charset="-78"/>
+                <a:cs typeface="Dana" panose="00000500000000000000" pitchFamily="2" charset="-78"/>
+              </a:rPr>
+              <a:t> </a:t>
+            </a:r>
+            <a:r>
+              <a:rPr lang="fa-IR" sz="1600" dirty="0" smtClean="0">
+                <a:solidFill>
+                  <a:schemeClr val="bg1"/>
+                </a:solidFill>
+                <a:latin typeface="Dana" panose="00000500000000000000" pitchFamily="2" charset="-78"/>
+                <a:cs typeface="Dana" panose="00000500000000000000" pitchFamily="2" charset="-78"/>
+              </a:rPr>
+              <a:t>حواستون باشه که فایل رو درست آدرس‌دهی کنین.</a:t>
+            </a:r>
+            <a:r>
+              <a:rPr lang="en-US" sz="1600" dirty="0">
+                <a:solidFill>
+                  <a:schemeClr val="bg1"/>
+                </a:solidFill>
+                <a:latin typeface="Dana" panose="00000500000000000000" pitchFamily="2" charset="-78"/>
+                <a:cs typeface="Dana" panose="00000500000000000000" pitchFamily="2" charset="-78"/>
+              </a:rPr>
+              <a:t/>
+            </a:r>
+            <a:br>
+              <a:rPr lang="en-US" sz="1600" dirty="0">
+                <a:solidFill>
+                  <a:schemeClr val="bg1"/>
+                </a:solidFill>
+                <a:latin typeface="Dana" panose="00000500000000000000" pitchFamily="2" charset="-78"/>
+                <a:cs typeface="Dana" panose="00000500000000000000" pitchFamily="2" charset="-78"/>
+              </a:rPr>
+            </a:br>
+            <a:r>
+              <a:rPr lang="fa-IR" sz="1600" dirty="0">
+                <a:solidFill>
+                  <a:schemeClr val="bg1"/>
+                </a:solidFill>
+                <a:latin typeface="Dana" panose="00000500000000000000" pitchFamily="2" charset="-78"/>
+                <a:cs typeface="Dana" panose="00000500000000000000" pitchFamily="2" charset="-78"/>
+              </a:rPr>
               <a:t/>
             </a:r>
             <a:br>
@@ -47243,115 +47259,7 @@
                 <a:latin typeface="Dana" panose="00000500000000000000" pitchFamily="2" charset="-78"/>
                 <a:cs typeface="Dana" panose="00000500000000000000" pitchFamily="2" charset="-78"/>
               </a:rPr>
-              <a:t>دوباره توجه توجه! </a:t>
-            </a:r>
-            <a:r>
-              <a:rPr lang="fa-IR" sz="1600" dirty="0">
-                <a:solidFill>
-                  <a:schemeClr val="bg1"/>
-                </a:solidFill>
-                <a:latin typeface="Dana" panose="00000500000000000000" pitchFamily="2" charset="-78"/>
-                <a:cs typeface="Dana" panose="00000500000000000000" pitchFamily="2" charset="-78"/>
-              </a:rPr>
-              <a:t>برای ورودی اول </a:t>
-            </a:r>
-            <a:r>
-              <a:rPr lang="en-US" sz="1600" dirty="0" err="1" smtClean="0">
-                <a:solidFill>
-                  <a:schemeClr val="accent6"/>
-                </a:solidFill>
-                <a:latin typeface="Dana" panose="00000500000000000000" pitchFamily="2" charset="-78"/>
-                <a:cs typeface="Dana" panose="00000500000000000000" pitchFamily="2" charset="-78"/>
-              </a:rPr>
-              <a:t>fopen</a:t>
-            </a:r>
-            <a:r>
-              <a:rPr lang="fa-IR" sz="1600" dirty="0">
-                <a:solidFill>
-                  <a:schemeClr val="bg1"/>
-                </a:solidFill>
-                <a:latin typeface="Dana" panose="00000500000000000000" pitchFamily="2" charset="-78"/>
-                <a:cs typeface="Dana" panose="00000500000000000000" pitchFamily="2" charset="-78"/>
-              </a:rPr>
-              <a:t> </a:t>
-            </a:r>
-            <a:r>
-              <a:rPr lang="fa-IR" sz="1600" dirty="0" smtClean="0">
-                <a:solidFill>
-                  <a:schemeClr val="bg1"/>
-                </a:solidFill>
-                <a:latin typeface="Dana" panose="00000500000000000000" pitchFamily="2" charset="-78"/>
-                <a:cs typeface="Dana" panose="00000500000000000000" pitchFamily="2" charset="-78"/>
-              </a:rPr>
-              <a:t>حواستون باشه که فایل رو درست آدرس‌دهی کنین.</a:t>
-            </a:r>
-            <a:r>
-              <a:rPr lang="en-US" sz="1600" dirty="0">
-                <a:solidFill>
-                  <a:schemeClr val="bg1"/>
-                </a:solidFill>
-                <a:latin typeface="Dana" panose="00000500000000000000" pitchFamily="2" charset="-78"/>
-                <a:cs typeface="Dana" panose="00000500000000000000" pitchFamily="2" charset="-78"/>
-              </a:rPr>
-              <a:t/>
-            </a:r>
-            <a:br>
-              <a:rPr lang="en-US" sz="1600" dirty="0">
-                <a:solidFill>
-                  <a:schemeClr val="bg1"/>
-                </a:solidFill>
-                <a:latin typeface="Dana" panose="00000500000000000000" pitchFamily="2" charset="-78"/>
-                <a:cs typeface="Dana" panose="00000500000000000000" pitchFamily="2" charset="-78"/>
-              </a:rPr>
-            </a:br>
-            <a:r>
-              <a:rPr lang="fa-IR" sz="1600" dirty="0">
-                <a:solidFill>
-                  <a:schemeClr val="bg1"/>
-                </a:solidFill>
-                <a:latin typeface="Dana" panose="00000500000000000000" pitchFamily="2" charset="-78"/>
-                <a:cs typeface="Dana" panose="00000500000000000000" pitchFamily="2" charset="-78"/>
-              </a:rPr>
-              <a:t/>
-            </a:r>
-            <a:br>
-              <a:rPr lang="fa-IR" sz="1600" dirty="0">
-                <a:solidFill>
-                  <a:schemeClr val="bg1"/>
-                </a:solidFill>
-                <a:latin typeface="Dana" panose="00000500000000000000" pitchFamily="2" charset="-78"/>
-                <a:cs typeface="Dana" panose="00000500000000000000" pitchFamily="2" charset="-78"/>
-              </a:rPr>
-            </a:br>
-            <a:r>
-              <a:rPr lang="fa-IR" sz="1600" dirty="0" smtClean="0">
-                <a:solidFill>
-                  <a:schemeClr val="bg1"/>
-                </a:solidFill>
-                <a:latin typeface="Dana" panose="00000500000000000000" pitchFamily="2" charset="-78"/>
-                <a:cs typeface="Dana" panose="00000500000000000000" pitchFamily="2" charset="-78"/>
-              </a:rPr>
-              <a:t>حالا چند تا </a:t>
-            </a:r>
-            <a:r>
-              <a:rPr lang="fa-IR" sz="1600" dirty="0" smtClean="0">
-                <a:solidFill>
-                  <a:schemeClr val="bg1"/>
-                </a:solidFill>
-                <a:latin typeface="Dana" panose="00000500000000000000" pitchFamily="2" charset="-78"/>
-                <a:cs typeface="Dana" panose="00000500000000000000" pitchFamily="2" charset="-78"/>
-              </a:rPr>
-              <a:t>سوال می‌خوام بپرسم... </a:t>
-            </a:r>
-            <a:r>
-              <a:rPr lang="fa-IR" sz="1600" dirty="0" smtClean="0">
-                <a:solidFill>
-                  <a:schemeClr val="bg1"/>
-                </a:solidFill>
-                <a:latin typeface="Dana" panose="00000500000000000000" pitchFamily="2" charset="-78"/>
-                <a:cs typeface="Dana" panose="00000500000000000000" pitchFamily="2" charset="-78"/>
-              </a:rPr>
-              <a:t>اشاره‌گری </a:t>
+              <a:t>حالا چند تا سوال می‌خوام بپرسم... اشاره‌گری </a:t>
             </a:r>
             <a:r>
               <a:rPr lang="fa-IR" sz="1600" dirty="0">
